--- a/Review.pptx
+++ b/Review.pptx
@@ -126,13 +126,18 @@
       </a:defRPr>
     </a:lvl9pPr>
   </p:defaultTextStyle>
+  <p:extLst>
+    <p:ext uri="{EFAFB233-063F-42B5-8137-9DF3F51BA10A}">
+      <p15:sldGuideLst xmlns:p15="http://schemas.microsoft.com/office/powerpoint/2012/main"/>
+    </p:ext>
+  </p:extLst>
 </p:presentation>
 </file>
 
 <file path=ppt/revisionInfo.xml><?xml version="1.0" encoding="utf-8"?>
 <p1510:revInfo xmlns:a="http://schemas.openxmlformats.org/drawingml/2006/main" xmlns:r="http://schemas.openxmlformats.org/officeDocument/2006/relationships" xmlns:p1510="http://schemas.microsoft.com/office/powerpoint/2015/10/main">
   <p1510:revLst>
-    <p1510:client id="{C2D4A7CA-A004-423F-B11C-757FBC039DFD}" v="17" dt="2022-08-26T03:57:29.316"/>
+    <p1510:client id="{C2D4A7CA-A004-423F-B11C-757FBC039DFD}" v="23" dt="2022-08-26T04:16:06.734"/>
   </p1510:revLst>
 </p1510:revInfo>
 </file>
@@ -142,12 +147,12 @@
   <pc:docChgLst>
     <pc:chgData name="G G Sanjana" userId="1832750a1e65fca4" providerId="LiveId" clId="{C2D4A7CA-A004-423F-B11C-757FBC039DFD}"/>
     <pc:docChg chg="undo redo custSel addSld modSld sldOrd">
-      <pc:chgData name="G G Sanjana" userId="1832750a1e65fca4" providerId="LiveId" clId="{C2D4A7CA-A004-423F-B11C-757FBC039DFD}" dt="2022-08-26T03:57:29.316" v="497" actId="14826"/>
+      <pc:chgData name="G G Sanjana" userId="1832750a1e65fca4" providerId="LiveId" clId="{C2D4A7CA-A004-423F-B11C-757FBC039DFD}" dt="2022-08-26T04:18:18.306" v="505" actId="20577"/>
       <pc:docMkLst>
         <pc:docMk/>
       </pc:docMkLst>
       <pc:sldChg chg="modSp mod modTransition">
-        <pc:chgData name="G G Sanjana" userId="1832750a1e65fca4" providerId="LiveId" clId="{C2D4A7CA-A004-423F-B11C-757FBC039DFD}" dt="2022-08-26T03:53:23.923" v="495"/>
+        <pc:chgData name="G G Sanjana" userId="1832750a1e65fca4" providerId="LiveId" clId="{C2D4A7CA-A004-423F-B11C-757FBC039DFD}" dt="2022-08-26T04:18:18.306" v="505" actId="20577"/>
         <pc:sldMkLst>
           <pc:docMk/>
           <pc:sldMk cId="1102814290" sldId="256"/>
@@ -161,7 +166,7 @@
           </ac:spMkLst>
         </pc:spChg>
         <pc:spChg chg="mod">
-          <ac:chgData name="G G Sanjana" userId="1832750a1e65fca4" providerId="LiveId" clId="{C2D4A7CA-A004-423F-B11C-757FBC039DFD}" dt="2022-08-26T03:47:50.997" v="474" actId="20577"/>
+          <ac:chgData name="G G Sanjana" userId="1832750a1e65fca4" providerId="LiveId" clId="{C2D4A7CA-A004-423F-B11C-757FBC039DFD}" dt="2022-08-26T04:18:18.306" v="505" actId="20577"/>
           <ac:spMkLst>
             <pc:docMk/>
             <pc:sldMk cId="1102814290" sldId="256"/>
@@ -536,6 +541,21 @@
           </ac:cxnSpMkLst>
         </pc:cxnChg>
       </pc:sldChg>
+      <pc:sldChg chg="modSp">
+        <pc:chgData name="G G Sanjana" userId="1832750a1e65fca4" providerId="LiveId" clId="{C2D4A7CA-A004-423F-B11C-757FBC039DFD}" dt="2022-08-26T04:16:06.734" v="503" actId="14826"/>
+        <pc:sldMkLst>
+          <pc:docMk/>
+          <pc:sldMk cId="636084517" sldId="258"/>
+        </pc:sldMkLst>
+        <pc:picChg chg="mod">
+          <ac:chgData name="G G Sanjana" userId="1832750a1e65fca4" providerId="LiveId" clId="{C2D4A7CA-A004-423F-B11C-757FBC039DFD}" dt="2022-08-26T04:16:06.734" v="503" actId="14826"/>
+          <ac:picMkLst>
+            <pc:docMk/>
+            <pc:sldMk cId="636084517" sldId="258"/>
+            <ac:picMk id="6" creationId="{5AC02231-A74E-7C69-D98A-AC3097C221D5}"/>
+          </ac:picMkLst>
+        </pc:picChg>
+      </pc:sldChg>
       <pc:sldChg chg="modSp mod">
         <pc:chgData name="G G Sanjana" userId="1832750a1e65fca4" providerId="LiveId" clId="{C2D4A7CA-A004-423F-B11C-757FBC039DFD}" dt="2022-08-26T02:46:06.034" v="286" actId="20577"/>
         <pc:sldMkLst>
@@ -626,8 +646,68 @@
           </ac:spMkLst>
         </pc:spChg>
       </pc:sldChg>
+      <pc:sldChg chg="modSp">
+        <pc:chgData name="G G Sanjana" userId="1832750a1e65fca4" providerId="LiveId" clId="{C2D4A7CA-A004-423F-B11C-757FBC039DFD}" dt="2022-08-26T04:14:36.816" v="500" actId="14826"/>
+        <pc:sldMkLst>
+          <pc:docMk/>
+          <pc:sldMk cId="815792248" sldId="268"/>
+        </pc:sldMkLst>
+        <pc:picChg chg="mod">
+          <ac:chgData name="G G Sanjana" userId="1832750a1e65fca4" providerId="LiveId" clId="{C2D4A7CA-A004-423F-B11C-757FBC039DFD}" dt="2022-08-26T04:14:36.816" v="500" actId="14826"/>
+          <ac:picMkLst>
+            <pc:docMk/>
+            <pc:sldMk cId="815792248" sldId="268"/>
+            <ac:picMk id="6" creationId="{5AC02231-A74E-7C69-D98A-AC3097C221D5}"/>
+          </ac:picMkLst>
+        </pc:picChg>
+      </pc:sldChg>
+      <pc:sldChg chg="modSp">
+        <pc:chgData name="G G Sanjana" userId="1832750a1e65fca4" providerId="LiveId" clId="{C2D4A7CA-A004-423F-B11C-757FBC039DFD}" dt="2022-08-26T04:14:16.634" v="499" actId="14826"/>
+        <pc:sldMkLst>
+          <pc:docMk/>
+          <pc:sldMk cId="2899804417" sldId="270"/>
+        </pc:sldMkLst>
+        <pc:picChg chg="mod">
+          <ac:chgData name="G G Sanjana" userId="1832750a1e65fca4" providerId="LiveId" clId="{C2D4A7CA-A004-423F-B11C-757FBC039DFD}" dt="2022-08-26T04:14:16.634" v="499" actId="14826"/>
+          <ac:picMkLst>
+            <pc:docMk/>
+            <pc:sldMk cId="2899804417" sldId="270"/>
+            <ac:picMk id="6" creationId="{5AC02231-A74E-7C69-D98A-AC3097C221D5}"/>
+          </ac:picMkLst>
+        </pc:picChg>
+      </pc:sldChg>
+      <pc:sldChg chg="modSp">
+        <pc:chgData name="G G Sanjana" userId="1832750a1e65fca4" providerId="LiveId" clId="{C2D4A7CA-A004-423F-B11C-757FBC039DFD}" dt="2022-08-26T04:15:27.461" v="502" actId="14826"/>
+        <pc:sldMkLst>
+          <pc:docMk/>
+          <pc:sldMk cId="4016003787" sldId="272"/>
+        </pc:sldMkLst>
+        <pc:picChg chg="mod">
+          <ac:chgData name="G G Sanjana" userId="1832750a1e65fca4" providerId="LiveId" clId="{C2D4A7CA-A004-423F-B11C-757FBC039DFD}" dt="2022-08-26T04:15:27.461" v="502" actId="14826"/>
+          <ac:picMkLst>
+            <pc:docMk/>
+            <pc:sldMk cId="4016003787" sldId="272"/>
+            <ac:picMk id="6" creationId="{5AC02231-A74E-7C69-D98A-AC3097C221D5}"/>
+          </ac:picMkLst>
+        </pc:picChg>
+      </pc:sldChg>
+      <pc:sldChg chg="modSp">
+        <pc:chgData name="G G Sanjana" userId="1832750a1e65fca4" providerId="LiveId" clId="{C2D4A7CA-A004-423F-B11C-757FBC039DFD}" dt="2022-08-26T04:15:01.456" v="501" actId="14826"/>
+        <pc:sldMkLst>
+          <pc:docMk/>
+          <pc:sldMk cId="2636029838" sldId="274"/>
+        </pc:sldMkLst>
+        <pc:picChg chg="mod">
+          <ac:chgData name="G G Sanjana" userId="1832750a1e65fca4" providerId="LiveId" clId="{C2D4A7CA-A004-423F-B11C-757FBC039DFD}" dt="2022-08-26T04:15:01.456" v="501" actId="14826"/>
+          <ac:picMkLst>
+            <pc:docMk/>
+            <pc:sldMk cId="2636029838" sldId="274"/>
+            <ac:picMk id="6" creationId="{5AC02231-A74E-7C69-D98A-AC3097C221D5}"/>
+          </ac:picMkLst>
+        </pc:picChg>
+      </pc:sldChg>
       <pc:sldChg chg="modSp add mod ord">
-        <pc:chgData name="G G Sanjana" userId="1832750a1e65fca4" providerId="LiveId" clId="{C2D4A7CA-A004-423F-B11C-757FBC039DFD}" dt="2022-08-26T02:55:17.925" v="397" actId="20577"/>
+        <pc:chgData name="G G Sanjana" userId="1832750a1e65fca4" providerId="LiveId" clId="{C2D4A7CA-A004-423F-B11C-757FBC039DFD}" dt="2022-08-26T04:12:42.992" v="498" actId="14826"/>
         <pc:sldMkLst>
           <pc:docMk/>
           <pc:sldMk cId="2238226666" sldId="277"/>
@@ -640,6 +720,14 @@
             <ac:spMk id="2" creationId="{389CE8FC-BE5C-52DA-DBDB-F2A6E8F6D1C3}"/>
           </ac:spMkLst>
         </pc:spChg>
+        <pc:picChg chg="mod">
+          <ac:chgData name="G G Sanjana" userId="1832750a1e65fca4" providerId="LiveId" clId="{C2D4A7CA-A004-423F-B11C-757FBC039DFD}" dt="2022-08-26T04:12:42.992" v="498" actId="14826"/>
+          <ac:picMkLst>
+            <pc:docMk/>
+            <pc:sldMk cId="2238226666" sldId="277"/>
+            <ac:picMk id="6" creationId="{5AC02231-A74E-7C69-D98A-AC3097C221D5}"/>
+          </ac:picMkLst>
+        </pc:picChg>
       </pc:sldChg>
       <pc:sldChg chg="delSp modSp new mod">
         <pc:chgData name="G G Sanjana" userId="1832750a1e65fca4" providerId="LiveId" clId="{C2D4A7CA-A004-423F-B11C-757FBC039DFD}" dt="2022-08-26T02:56:32.396" v="440" actId="20577"/>
@@ -5243,12 +5331,20 @@
               </a:spcAft>
             </a:pPr>
             <a:r>
+              <a:rPr lang="en-US" sz="2000">
+                <a:solidFill>
+                  <a:schemeClr val="tx1"/>
+                </a:solidFill>
+              </a:rPr>
+              <a:t>  190031413     </a:t>
+            </a:r>
+            <a:r>
               <a:rPr lang="en-US" sz="2000" dirty="0">
                 <a:solidFill>
                   <a:schemeClr val="tx1"/>
                 </a:solidFill>
               </a:rPr>
-              <a:t>190031413     R Sai Sivani</a:t>
+              <a:t>R Sai Sivani</a:t>
             </a:r>
           </a:p>
           <a:p>
@@ -6416,7 +6512,7 @@
       </p:cxnSp>
       <p:pic>
         <p:nvPicPr>
-          <p:cNvPr id="6" name="Graphic 5" descr="Books">
+          <p:cNvPr id="6" name="Graphic 5" descr="Research with solid fill">
             <a:extLst>
               <a:ext uri="{FF2B5EF4-FFF2-40B4-BE49-F238E27FC236}">
                 <a16:creationId xmlns:a16="http://schemas.microsoft.com/office/drawing/2014/main" id="{5AC02231-A74E-7C69-D98A-AC3097C221D5}"/>
@@ -6439,9 +6535,8 @@
               </a:ext>
             </a:extLst>
           </a:blip>
-          <a:stretch>
-            <a:fillRect/>
-          </a:stretch>
+          <a:srcRect/>
+          <a:stretch/>
         </p:blipFill>
         <p:spPr>
           <a:xfrm>
@@ -7402,7 +7497,7 @@
       </p:cxnSp>
       <p:pic>
         <p:nvPicPr>
-          <p:cNvPr id="6" name="Graphic 5" descr="Books">
+          <p:cNvPr id="6" name="Graphic 5" descr="Folder Search with solid fill">
             <a:extLst>
               <a:ext uri="{FF2B5EF4-FFF2-40B4-BE49-F238E27FC236}">
                 <a16:creationId xmlns:a16="http://schemas.microsoft.com/office/drawing/2014/main" id="{5AC02231-A74E-7C69-D98A-AC3097C221D5}"/>
@@ -7425,9 +7520,8 @@
               </a:ext>
             </a:extLst>
           </a:blip>
-          <a:stretch>
-            <a:fillRect/>
-          </a:stretch>
+          <a:srcRect/>
+          <a:stretch/>
         </p:blipFill>
         <p:spPr>
           <a:xfrm>
@@ -8341,7 +8435,7 @@
       </p:cxnSp>
       <p:pic>
         <p:nvPicPr>
-          <p:cNvPr id="6" name="Graphic 5" descr="Books">
+          <p:cNvPr id="6" name="Graphic 5" descr="Bar chart with solid fill">
             <a:extLst>
               <a:ext uri="{FF2B5EF4-FFF2-40B4-BE49-F238E27FC236}">
                 <a16:creationId xmlns:a16="http://schemas.microsoft.com/office/drawing/2014/main" id="{5AC02231-A74E-7C69-D98A-AC3097C221D5}"/>
@@ -8364,9 +8458,8 @@
               </a:ext>
             </a:extLst>
           </a:blip>
-          <a:stretch>
-            <a:fillRect/>
-          </a:stretch>
+          <a:srcRect/>
+          <a:stretch/>
         </p:blipFill>
         <p:spPr>
           <a:xfrm>
@@ -9267,7 +9360,7 @@
       </p:cxnSp>
       <p:pic>
         <p:nvPicPr>
-          <p:cNvPr id="6" name="Graphic 5" descr="Books">
+          <p:cNvPr id="6" name="Graphic 5" descr="Pie chart with solid fill">
             <a:extLst>
               <a:ext uri="{FF2B5EF4-FFF2-40B4-BE49-F238E27FC236}">
                 <a16:creationId xmlns:a16="http://schemas.microsoft.com/office/drawing/2014/main" id="{5AC02231-A74E-7C69-D98A-AC3097C221D5}"/>
@@ -9290,9 +9383,8 @@
               </a:ext>
             </a:extLst>
           </a:blip>
-          <a:stretch>
-            <a:fillRect/>
-          </a:stretch>
+          <a:srcRect/>
+          <a:stretch/>
         </p:blipFill>
         <p:spPr>
           <a:xfrm>
@@ -11029,7 +11121,7 @@
       </p:cxnSp>
       <p:pic>
         <p:nvPicPr>
-          <p:cNvPr id="6" name="Graphic 5" descr="Books">
+          <p:cNvPr id="6" name="Graphic 5" descr="Document with solid fill">
             <a:extLst>
               <a:ext uri="{FF2B5EF4-FFF2-40B4-BE49-F238E27FC236}">
                 <a16:creationId xmlns:a16="http://schemas.microsoft.com/office/drawing/2014/main" id="{5AC02231-A74E-7C69-D98A-AC3097C221D5}"/>
@@ -11052,9 +11144,8 @@
               </a:ext>
             </a:extLst>
           </a:blip>
-          <a:stretch>
-            <a:fillRect/>
-          </a:stretch>
+          <a:srcRect/>
+          <a:stretch/>
         </p:blipFill>
         <p:spPr>
           <a:xfrm>
@@ -13839,7 +13930,7 @@
       </p:cxnSp>
       <p:pic>
         <p:nvPicPr>
-          <p:cNvPr id="6" name="Graphic 5" descr="Books">
+          <p:cNvPr id="6" name="Graphic 5" descr="Cloud with solid fill">
             <a:extLst>
               <a:ext uri="{FF2B5EF4-FFF2-40B4-BE49-F238E27FC236}">
                 <a16:creationId xmlns:a16="http://schemas.microsoft.com/office/drawing/2014/main" id="{5AC02231-A74E-7C69-D98A-AC3097C221D5}"/>
@@ -13862,9 +13953,8 @@
               </a:ext>
             </a:extLst>
           </a:blip>
-          <a:stretch>
-            <a:fillRect/>
-          </a:stretch>
+          <a:srcRect/>
+          <a:stretch/>
         </p:blipFill>
         <p:spPr>
           <a:xfrm>
